--- a/KubeKey세미나_20230717.pptx
+++ b/KubeKey세미나_20230717.pptx
@@ -255,7 +255,7 @@
             <a:fld id="{6BF20B92-172B-439F-85FB-A9644A74923E}" type="datetimeFigureOut">
               <a:rPr lang="ko-KR" altLang="en-US" smtClean="0"/>
               <a:pPr/>
-              <a:t>2023-07-16</a:t>
+              <a:t>2023-07-17</a:t>
             </a:fld>
             <a:endParaRPr lang="ko-KR" altLang="en-US"/>
           </a:p>
@@ -450,7 +450,7 @@
             <a:fld id="{BBC9EBAB-3779-4750-A28A-CA1A89258F03}" type="datetimeFigureOut">
               <a:rPr lang="ko-KR" altLang="en-US" smtClean="0"/>
               <a:pPr/>
-              <a:t>2023-07-16</a:t>
+              <a:t>2023-07-17</a:t>
             </a:fld>
             <a:endParaRPr lang="ko-KR" altLang="en-US"/>
           </a:p>
@@ -1857,7 +1857,7 @@
             <a:fld id="{BA210C57-4499-4DE6-9311-94B333A7B5DD}" type="datetimeFigureOut">
               <a:rPr lang="ko-KR" altLang="en-US" smtClean="0"/>
               <a:pPr/>
-              <a:t>2023-07-16</a:t>
+              <a:t>2023-07-17</a:t>
             </a:fld>
             <a:endParaRPr lang="ko-KR" altLang="en-US"/>
           </a:p>
@@ -2057,7 +2057,7 @@
             <a:fld id="{BA210C57-4499-4DE6-9311-94B333A7B5DD}" type="datetimeFigureOut">
               <a:rPr lang="ko-KR" altLang="en-US" smtClean="0"/>
               <a:pPr/>
-              <a:t>2023-07-16</a:t>
+              <a:t>2023-07-17</a:t>
             </a:fld>
             <a:endParaRPr lang="ko-KR" altLang="en-US"/>
           </a:p>
@@ -2267,7 +2267,7 @@
             <a:fld id="{BA210C57-4499-4DE6-9311-94B333A7B5DD}" type="datetimeFigureOut">
               <a:rPr lang="ko-KR" altLang="en-US" smtClean="0"/>
               <a:pPr/>
-              <a:t>2023-07-16</a:t>
+              <a:t>2023-07-17</a:t>
             </a:fld>
             <a:endParaRPr lang="ko-KR" altLang="en-US"/>
           </a:p>
@@ -2471,7 +2471,7 @@
             <a:fld id="{D12DDE67-2888-4A62-AD87-FC999A9B07DD}" type="datetimeFigureOut">
               <a:rPr lang="ko-KR" altLang="en-US" smtClean="0"/>
               <a:pPr/>
-              <a:t>2023-07-16</a:t>
+              <a:t>2023-07-17</a:t>
             </a:fld>
             <a:endParaRPr lang="ko-KR" altLang="en-US"/>
           </a:p>
@@ -2641,7 +2641,7 @@
             <a:fld id="{D12DDE67-2888-4A62-AD87-FC999A9B07DD}" type="datetimeFigureOut">
               <a:rPr lang="ko-KR" altLang="en-US" smtClean="0"/>
               <a:pPr/>
-              <a:t>2023-07-16</a:t>
+              <a:t>2023-07-17</a:t>
             </a:fld>
             <a:endParaRPr lang="ko-KR" altLang="en-US"/>
           </a:p>
@@ -2904,7 +2904,7 @@
             <a:fld id="{D12DDE67-2888-4A62-AD87-FC999A9B07DD}" type="datetimeFigureOut">
               <a:rPr lang="ko-KR" altLang="en-US" smtClean="0"/>
               <a:pPr/>
-              <a:t>2023-07-16</a:t>
+              <a:t>2023-07-17</a:t>
             </a:fld>
             <a:endParaRPr lang="ko-KR" altLang="en-US"/>
           </a:p>
@@ -3135,7 +3135,7 @@
             <a:fld id="{D12DDE67-2888-4A62-AD87-FC999A9B07DD}" type="datetimeFigureOut">
               <a:rPr lang="ko-KR" altLang="en-US" smtClean="0"/>
               <a:pPr/>
-              <a:t>2023-07-16</a:t>
+              <a:t>2023-07-17</a:t>
             </a:fld>
             <a:endParaRPr lang="ko-KR" altLang="en-US"/>
           </a:p>
@@ -3501,7 +3501,7 @@
             <a:fld id="{D12DDE67-2888-4A62-AD87-FC999A9B07DD}" type="datetimeFigureOut">
               <a:rPr lang="ko-KR" altLang="en-US" smtClean="0"/>
               <a:pPr/>
-              <a:t>2023-07-16</a:t>
+              <a:t>2023-07-17</a:t>
             </a:fld>
             <a:endParaRPr lang="ko-KR" altLang="en-US"/>
           </a:p>
@@ -3620,7 +3620,7 @@
             <a:fld id="{D12DDE67-2888-4A62-AD87-FC999A9B07DD}" type="datetimeFigureOut">
               <a:rPr lang="ko-KR" altLang="en-US" smtClean="0"/>
               <a:pPr/>
-              <a:t>2023-07-16</a:t>
+              <a:t>2023-07-17</a:t>
             </a:fld>
             <a:endParaRPr lang="ko-KR" altLang="en-US"/>
           </a:p>
@@ -3717,7 +3717,7 @@
             <a:fld id="{D12DDE67-2888-4A62-AD87-FC999A9B07DD}" type="datetimeFigureOut">
               <a:rPr lang="ko-KR" altLang="en-US" smtClean="0"/>
               <a:pPr/>
-              <a:t>2023-07-16</a:t>
+              <a:t>2023-07-17</a:t>
             </a:fld>
             <a:endParaRPr lang="ko-KR" altLang="en-US"/>
           </a:p>
@@ -3994,7 +3994,7 @@
             <a:fld id="{D12DDE67-2888-4A62-AD87-FC999A9B07DD}" type="datetimeFigureOut">
               <a:rPr lang="ko-KR" altLang="en-US" smtClean="0"/>
               <a:pPr/>
-              <a:t>2023-07-16</a:t>
+              <a:t>2023-07-17</a:t>
             </a:fld>
             <a:endParaRPr lang="ko-KR" altLang="en-US"/>
           </a:p>
@@ -4182,7 +4182,7 @@
             <a:fld id="{BA210C57-4499-4DE6-9311-94B333A7B5DD}" type="datetimeFigureOut">
               <a:rPr lang="ko-KR" altLang="en-US" smtClean="0"/>
               <a:pPr/>
-              <a:t>2023-07-16</a:t>
+              <a:t>2023-07-17</a:t>
             </a:fld>
             <a:endParaRPr lang="ko-KR" altLang="en-US"/>
           </a:p>
@@ -4448,7 +4448,7 @@
             <a:fld id="{D12DDE67-2888-4A62-AD87-FC999A9B07DD}" type="datetimeFigureOut">
               <a:rPr lang="ko-KR" altLang="en-US" smtClean="0"/>
               <a:pPr/>
-              <a:t>2023-07-16</a:t>
+              <a:t>2023-07-17</a:t>
             </a:fld>
             <a:endParaRPr lang="ko-KR" altLang="en-US"/>
           </a:p>
@@ -4618,7 +4618,7 @@
             <a:fld id="{D12DDE67-2888-4A62-AD87-FC999A9B07DD}" type="datetimeFigureOut">
               <a:rPr lang="ko-KR" altLang="en-US" smtClean="0"/>
               <a:pPr/>
-              <a:t>2023-07-16</a:t>
+              <a:t>2023-07-17</a:t>
             </a:fld>
             <a:endParaRPr lang="ko-KR" altLang="en-US"/>
           </a:p>
@@ -4798,7 +4798,7 @@
             <a:fld id="{D12DDE67-2888-4A62-AD87-FC999A9B07DD}" type="datetimeFigureOut">
               <a:rPr lang="ko-KR" altLang="en-US" smtClean="0"/>
               <a:pPr/>
-              <a:t>2023-07-16</a:t>
+              <a:t>2023-07-17</a:t>
             </a:fld>
             <a:endParaRPr lang="ko-KR" altLang="en-US"/>
           </a:p>
@@ -5063,7 +5063,7 @@
             <a:fld id="{BA210C57-4499-4DE6-9311-94B333A7B5DD}" type="datetimeFigureOut">
               <a:rPr lang="ko-KR" altLang="en-US" smtClean="0"/>
               <a:pPr/>
-              <a:t>2023-07-16</a:t>
+              <a:t>2023-07-17</a:t>
             </a:fld>
             <a:endParaRPr lang="ko-KR" altLang="en-US"/>
           </a:p>
@@ -5330,7 +5330,7 @@
             <a:fld id="{BA210C57-4499-4DE6-9311-94B333A7B5DD}" type="datetimeFigureOut">
               <a:rPr lang="ko-KR" altLang="en-US" smtClean="0"/>
               <a:pPr/>
-              <a:t>2023-07-16</a:t>
+              <a:t>2023-07-17</a:t>
             </a:fld>
             <a:endParaRPr lang="ko-KR" altLang="en-US"/>
           </a:p>
@@ -5744,7 +5744,7 @@
             <a:fld id="{BA210C57-4499-4DE6-9311-94B333A7B5DD}" type="datetimeFigureOut">
               <a:rPr lang="ko-KR" altLang="en-US" smtClean="0"/>
               <a:pPr/>
-              <a:t>2023-07-16</a:t>
+              <a:t>2023-07-17</a:t>
             </a:fld>
             <a:endParaRPr lang="ko-KR" altLang="en-US"/>
           </a:p>
@@ -5887,7 +5887,7 @@
             <a:fld id="{BA210C57-4499-4DE6-9311-94B333A7B5DD}" type="datetimeFigureOut">
               <a:rPr lang="ko-KR" altLang="en-US" smtClean="0"/>
               <a:pPr/>
-              <a:t>2023-07-16</a:t>
+              <a:t>2023-07-17</a:t>
             </a:fld>
             <a:endParaRPr lang="ko-KR" altLang="en-US"/>
           </a:p>
@@ -6002,7 +6002,7 @@
             <a:fld id="{BA210C57-4499-4DE6-9311-94B333A7B5DD}" type="datetimeFigureOut">
               <a:rPr lang="ko-KR" altLang="en-US" smtClean="0"/>
               <a:pPr/>
-              <a:t>2023-07-16</a:t>
+              <a:t>2023-07-17</a:t>
             </a:fld>
             <a:endParaRPr lang="ko-KR" altLang="en-US"/>
           </a:p>
@@ -6315,7 +6315,7 @@
             <a:fld id="{BA210C57-4499-4DE6-9311-94B333A7B5DD}" type="datetimeFigureOut">
               <a:rPr lang="ko-KR" altLang="en-US" smtClean="0"/>
               <a:pPr/>
-              <a:t>2023-07-16</a:t>
+              <a:t>2023-07-17</a:t>
             </a:fld>
             <a:endParaRPr lang="ko-KR" altLang="en-US"/>
           </a:p>
@@ -6605,7 +6605,7 @@
             <a:fld id="{BA210C57-4499-4DE6-9311-94B333A7B5DD}" type="datetimeFigureOut">
               <a:rPr lang="ko-KR" altLang="en-US" smtClean="0"/>
               <a:pPr/>
-              <a:t>2023-07-16</a:t>
+              <a:t>2023-07-17</a:t>
             </a:fld>
             <a:endParaRPr lang="ko-KR" altLang="en-US"/>
           </a:p>
@@ -6848,7 +6848,7 @@
             <a:fld id="{BA210C57-4499-4DE6-9311-94B333A7B5DD}" type="datetimeFigureOut">
               <a:rPr lang="ko-KR" altLang="en-US" smtClean="0"/>
               <a:pPr/>
-              <a:t>2023-07-16</a:t>
+              <a:t>2023-07-17</a:t>
             </a:fld>
             <a:endParaRPr lang="ko-KR" altLang="en-US"/>
           </a:p>
@@ -7400,7 +7400,7 @@
             <a:fld id="{D12DDE67-2888-4A62-AD87-FC999A9B07DD}" type="datetimeFigureOut">
               <a:rPr lang="ko-KR" altLang="en-US" smtClean="0"/>
               <a:pPr/>
-              <a:t>2023-07-16</a:t>
+              <a:t>2023-07-17</a:t>
             </a:fld>
             <a:endParaRPr lang="ko-KR" altLang="en-US"/>
           </a:p>
@@ -8257,11 +8257,7 @@
             </a:r>
             <a:r>
               <a:rPr kumimoji="1" lang="ko-KR" altLang="en-US" sz="1200" dirty="0" smtClean="0"/>
-              <a:t>클러스터가 있어야 </a:t>
-            </a:r>
-            <a:r>
-              <a:rPr kumimoji="1" lang="ko-KR" altLang="en-US" sz="1200" dirty="0" smtClean="0"/>
-              <a:t>한다</a:t>
+              <a:t>클러스터가 있어야 한다</a:t>
             </a:r>
             <a:r>
               <a:rPr kumimoji="1" lang="en-US" altLang="ko-KR" sz="1200" dirty="0" smtClean="0"/>
@@ -8288,15 +8284,19 @@
             </a:r>
             <a:r>
               <a:rPr lang="en-US" altLang="ko-KR" sz="1200" dirty="0" smtClean="0"/>
-              <a:t> --</a:t>
-            </a:r>
-            <a:r>
-              <a:rPr lang="en-US" altLang="ko-KR" sz="1200" dirty="0" smtClean="0"/>
-              <a:t>from-cluster </a:t>
+              <a:t> --from-cluster </a:t>
             </a:r>
             <a:r>
               <a:rPr lang="ko-KR" altLang="en-US" sz="1200" dirty="0" smtClean="0"/>
-              <a:t>로 구성 파일 생성</a:t>
+              <a:t>로 구성 파일 </a:t>
+            </a:r>
+            <a:r>
+              <a:rPr lang="ko-KR" altLang="en-US" sz="1200" dirty="0" smtClean="0"/>
+              <a:t>생성 </a:t>
+            </a:r>
+            <a:r>
+              <a:rPr lang="ko-KR" altLang="en-US" sz="1200" dirty="0" smtClean="0"/>
+              <a:t>및 수정</a:t>
             </a:r>
             <a:endParaRPr lang="en-US" altLang="ko-KR" sz="1200" dirty="0" smtClean="0"/>
           </a:p>
@@ -8320,19 +8320,7 @@
             </a:r>
             <a:r>
               <a:rPr lang="en-US" altLang="ko-KR" sz="1200" dirty="0" smtClean="0"/>
-              <a:t> </a:t>
-            </a:r>
-            <a:r>
-              <a:rPr lang="en-US" altLang="ko-KR" sz="1200" dirty="0" smtClean="0"/>
-              <a:t>v1.24.9  </a:t>
-            </a:r>
-            <a:r>
-              <a:rPr lang="en-US" altLang="ko-KR" sz="1200" dirty="0" smtClean="0"/>
-              <a:t>-f </a:t>
-            </a:r>
-            <a:r>
-              <a:rPr lang="en-US" altLang="ko-KR" sz="1200" dirty="0" smtClean="0"/>
-              <a:t>upgrade-k8s.yaml</a:t>
+              <a:t> v1.24.9  -f upgrade-k8s.yaml</a:t>
             </a:r>
           </a:p>
           <a:p>
@@ -8514,7 +8502,7 @@
         </p:blipFill>
         <p:spPr bwMode="auto">
           <a:xfrm>
-            <a:off x="672656" y="5811838"/>
+            <a:off x="672656" y="5875846"/>
             <a:ext cx="10334625" cy="857250"/>
           </a:xfrm>
           <a:prstGeom prst="rect">
@@ -8544,7 +8532,7 @@
         <p:spPr>
           <a:xfrm>
             <a:off x="407988" y="2402854"/>
-            <a:ext cx="10825399" cy="2554545"/>
+            <a:ext cx="10825399" cy="3416320"/>
           </a:xfrm>
           <a:prstGeom prst="rect">
             <a:avLst/>
@@ -8559,7 +8547,90 @@
           <a:p>
             <a:r>
               <a:rPr lang="en-US" altLang="ko-KR" sz="800" dirty="0" smtClean="0"/>
-              <a:t>error: Pipeline[</a:t>
+              <a:t>The connection to the server lb.kubesphere.local:6443 was refused - did you specify the right host or port?</a:t>
+            </a:r>
+          </a:p>
+          <a:p>
+            <a:r>
+              <a:rPr lang="en-US" altLang="ko-KR" sz="800" dirty="0" smtClean="0"/>
+              <a:t>10:07:26 KST message: [kk-m1-ubuntu]</a:t>
+            </a:r>
+          </a:p>
+          <a:p>
+            <a:r>
+              <a:rPr lang="en-US" altLang="ko-KR" sz="800" dirty="0" smtClean="0"/>
+              <a:t>get </a:t>
+            </a:r>
+            <a:r>
+              <a:rPr lang="en-US" altLang="ko-KR" sz="800" dirty="0" err="1" smtClean="0"/>
+              <a:t>kubernetes</a:t>
+            </a:r>
+            <a:r>
+              <a:rPr lang="en-US" altLang="ko-KR" sz="800" dirty="0" smtClean="0"/>
+              <a:t> cluster info failed: Failed to exec command: </a:t>
+            </a:r>
+            <a:r>
+              <a:rPr lang="en-US" altLang="ko-KR" sz="800" dirty="0" err="1" smtClean="0"/>
+              <a:t>sudo</a:t>
+            </a:r>
+            <a:r>
+              <a:rPr lang="en-US" altLang="ko-KR" sz="800" dirty="0" smtClean="0"/>
+              <a:t> -E /bin/bash -c "/</a:t>
+            </a:r>
+            <a:r>
+              <a:rPr lang="en-US" altLang="ko-KR" sz="800" dirty="0" err="1" smtClean="0"/>
+              <a:t>usr</a:t>
+            </a:r>
+            <a:r>
+              <a:rPr lang="en-US" altLang="ko-KR" sz="800" dirty="0" smtClean="0"/>
+              <a:t>/local/bin/</a:t>
+            </a:r>
+            <a:r>
+              <a:rPr lang="en-US" altLang="ko-KR" sz="800" dirty="0" err="1" smtClean="0"/>
+              <a:t>kubectl</a:t>
+            </a:r>
+            <a:r>
+              <a:rPr lang="en-US" altLang="ko-KR" sz="800" dirty="0" smtClean="0"/>
+              <a:t> --no-headers=true get nodes -o custom-columns=:</a:t>
+            </a:r>
+            <a:r>
+              <a:rPr lang="en-US" altLang="ko-KR" sz="800" dirty="0" err="1" smtClean="0"/>
+              <a:t>metadata.name,:status.nodeInfo.kubeletVersion,:status.addresses</a:t>
+            </a:r>
+            <a:r>
+              <a:rPr lang="en-US" altLang="ko-KR" sz="800" dirty="0" smtClean="0"/>
+              <a:t>" </a:t>
+            </a:r>
+          </a:p>
+          <a:p>
+            <a:r>
+              <a:rPr lang="en-US" altLang="ko-KR" sz="800" dirty="0" smtClean="0"/>
+              <a:t>The connection to the server lb.kubesphere.local:6443 was refused - did you specify the right host or port?: Process exited with status 1</a:t>
+            </a:r>
+            <a:endParaRPr lang="en-US" altLang="ko-KR" sz="800" dirty="0" smtClean="0"/>
+          </a:p>
+          <a:p>
+            <a:r>
+              <a:rPr lang="en-US" altLang="ko-KR" sz="800" dirty="0" smtClean="0"/>
+              <a:t>…</a:t>
+            </a:r>
+            <a:endParaRPr lang="en-US" altLang="ko-KR" sz="800" dirty="0" smtClean="0"/>
+          </a:p>
+          <a:p>
+            <a:r>
+              <a:rPr lang="en-US" altLang="ko-KR" sz="800" dirty="0" smtClean="0"/>
+              <a:t>…</a:t>
+            </a:r>
+            <a:endParaRPr lang="en-US" altLang="ko-KR" sz="800" dirty="0" smtClean="0"/>
+          </a:p>
+          <a:p>
+            <a:r>
+              <a:rPr lang="en-US" altLang="ko-KR" sz="800" dirty="0" smtClean="0"/>
+              <a:t>error</a:t>
+            </a:r>
+            <a:r>
+              <a:rPr lang="en-US" altLang="ko-KR" sz="800" dirty="0" smtClean="0"/>
+              <a:t>: Pipeline[</a:t>
             </a:r>
             <a:r>
               <a:rPr lang="en-US" altLang="ko-KR" sz="800" dirty="0" err="1" smtClean="0"/>
@@ -8643,21 +8714,13 @@
             </a:r>
             <a:r>
               <a:rPr lang="en-US" altLang="ko-KR" sz="800" dirty="0" smtClean="0"/>
-              <a:t> upgrade apply v1.24.9 </a:t>
-            </a:r>
+              <a:t> upgrade apply v1.24.9 –y</a:t>
+            </a:r>
+          </a:p>
+          <a:p>
             <a:r>
               <a:rPr lang="en-US" altLang="ko-KR" sz="800" dirty="0" smtClean="0"/>
-              <a:t>–y</a:t>
-            </a:r>
-          </a:p>
-          <a:p>
-            <a:r>
-              <a:rPr lang="en-US" altLang="ko-KR" sz="800" dirty="0" smtClean="0"/>
-              <a:t> </a:t>
-            </a:r>
-            <a:r>
-              <a:rPr lang="en-US" altLang="ko-KR" sz="800" dirty="0" smtClean="0"/>
-              <a:t>--ignore-preflight-errors=all --allow-experimental-upgrades --allow-release-candidate-upgrades --</a:t>
+              <a:t> --ignore-preflight-errors=all --allow-experimental-upgrades --allow-release-candidate-upgrades --</a:t>
             </a:r>
             <a:r>
               <a:rPr lang="en-US" altLang="ko-KR" sz="800" dirty="0" err="1" smtClean="0"/>
@@ -8791,11 +8854,7 @@
           <a:p>
             <a:r>
               <a:rPr lang="en-US" altLang="ko-KR" sz="800" dirty="0" smtClean="0"/>
-              <a:t> with </a:t>
-            </a:r>
-            <a:r>
-              <a:rPr lang="en-US" altLang="ko-KR" sz="800" dirty="0" smtClean="0"/>
-              <a:t>value "/</a:t>
+              <a:t> with value "/</a:t>
             </a:r>
             <a:r>
               <a:rPr lang="en-US" altLang="ko-KR" sz="800" dirty="0" err="1" smtClean="0"/>
@@ -9330,16 +9389,7 @@
                 </a:solidFill>
                 <a:latin typeface="+mn-ea"/>
               </a:rPr>
-              <a:t>Create </a:t>
-            </a:r>
-            <a:r>
-              <a:rPr lang="en-US" altLang="ko-KR" dirty="0" smtClean="0">
-                <a:solidFill>
-                  <a:prstClr val="white"/>
-                </a:solidFill>
-                <a:latin typeface="+mn-ea"/>
-              </a:rPr>
-              <a:t>Multi-node Cluster</a:t>
+              <a:t>Create Multi-node Cluster</a:t>
             </a:r>
             <a:endParaRPr lang="en-US" altLang="ko-KR" dirty="0">
               <a:solidFill>
@@ -9752,11 +9802,7 @@
             </a:r>
             <a:r>
               <a:rPr lang="ko-KR" altLang="en-US" sz="1200" dirty="0" smtClean="0"/>
-              <a:t>를 모두 </a:t>
-            </a:r>
-            <a:r>
-              <a:rPr lang="ko-KR" altLang="en-US" sz="1200" dirty="0" smtClean="0"/>
-              <a:t>설치 가능</a:t>
+              <a:t>를 모두 설치 가능</a:t>
             </a:r>
             <a:endParaRPr lang="en-US" altLang="ko-KR" sz="1200" dirty="0" smtClean="0"/>
           </a:p>
@@ -9907,11 +9953,7 @@
             </a:r>
             <a:r>
               <a:rPr lang="en-US" altLang="ko-KR" sz="1200" dirty="0" smtClean="0"/>
-              <a:t> </a:t>
-            </a:r>
-            <a:r>
-              <a:rPr lang="en-US" altLang="ko-KR" sz="1200" dirty="0" smtClean="0"/>
-              <a:t>–</a:t>
+              <a:t> –</a:t>
             </a:r>
           </a:p>
           <a:p>
@@ -9942,11 +9984,7 @@
             </a:r>
             <a:r>
               <a:rPr kumimoji="1" lang="en-US" altLang="ko-KR" sz="1200" dirty="0" smtClean="0"/>
-              <a:t> version --</a:t>
-            </a:r>
-            <a:r>
-              <a:rPr kumimoji="1" lang="en-US" altLang="ko-KR" sz="1200" dirty="0" smtClean="0"/>
-              <a:t>show-supported-k8s </a:t>
+              <a:t> version --show-supported-k8s </a:t>
             </a:r>
             <a:r>
               <a:rPr kumimoji="1" lang="ko-KR" altLang="en-US" sz="1200" dirty="0" smtClean="0"/>
@@ -10118,7 +10156,7 @@
         </p:blipFill>
         <p:spPr bwMode="auto">
           <a:xfrm>
-            <a:off x="769620" y="4107561"/>
+            <a:off x="769620" y="4628769"/>
             <a:ext cx="8458200" cy="1733550"/>
           </a:xfrm>
           <a:prstGeom prst="rect">
@@ -10226,17 +10264,7 @@
                 <a:latin typeface="HY헤드라인M" pitchFamily="18" charset="-127"/>
                 <a:ea typeface="HY헤드라인M" pitchFamily="18" charset="-127"/>
               </a:rPr>
-              <a:t>환경구</a:t>
-            </a:r>
-            <a:r>
-              <a:rPr lang="ko-KR" altLang="en-US" sz="2000" noProof="0" dirty="0" smtClean="0">
-                <a:solidFill>
-                  <a:prstClr val="white"/>
-                </a:solidFill>
-                <a:latin typeface="HY헤드라인M" pitchFamily="18" charset="-127"/>
-                <a:ea typeface="HY헤드라인M" pitchFamily="18" charset="-127"/>
-              </a:rPr>
-              <a:t>성</a:t>
+              <a:t>환경구성</a:t>
             </a:r>
             <a:endParaRPr kumimoji="0" lang="ko-KR" altLang="en-US" sz="2000" b="0" i="0" u="none" strike="noStrike" kern="1200" cap="none" spc="0" normalizeH="0" baseline="0" noProof="0" dirty="0">
               <a:ln>
@@ -10429,11 +10457,7 @@
             <a:pPr lvl="1"/>
             <a:r>
               <a:rPr lang="en-US" altLang="ko-KR" sz="1200" dirty="0" smtClean="0"/>
-              <a:t>apt-get </a:t>
-            </a:r>
-            <a:r>
-              <a:rPr lang="en-US" altLang="ko-KR" sz="1200" dirty="0" smtClean="0"/>
-              <a:t>update</a:t>
+              <a:t>apt-get update</a:t>
             </a:r>
           </a:p>
           <a:p>
@@ -11723,15 +11747,7 @@
             </a:r>
             <a:r>
               <a:rPr lang="en-US" altLang="ko-KR" sz="1200" dirty="0" smtClean="0"/>
-              <a:t>kk-w1-ubuntu,</a:t>
-            </a:r>
-            <a:r>
-              <a:rPr lang="en-US" altLang="ko-KR" sz="1200" dirty="0" smtClean="0"/>
-              <a:t> </a:t>
-            </a:r>
-            <a:r>
-              <a:rPr lang="en-US" altLang="ko-KR" sz="1200" dirty="0" smtClean="0"/>
-              <a:t>kk-w2-ubuntu)</a:t>
+              <a:t>kk-w1-ubuntu, kk-w2-ubuntu)</a:t>
             </a:r>
             <a:r>
               <a:rPr kumimoji="1" lang="ko-KR" altLang="en-US" sz="1200" dirty="0" smtClean="0"/>
@@ -11767,7 +11783,6 @@
               <a:rPr kumimoji="1" lang="en-US" altLang="ko-KR" sz="1600" dirty="0" smtClean="0"/>
               <a:t>(kk-m1-ubuntu)</a:t>
             </a:r>
-            <a:endParaRPr kumimoji="1" lang="en-US" altLang="ko-KR" sz="1600" dirty="0" smtClean="0"/>
           </a:p>
           <a:p>
             <a:pPr lvl="1"/>
@@ -11789,13 +11804,8 @@
             </a:r>
             <a:r>
               <a:rPr lang="en-US" altLang="ko-KR" sz="1200" dirty="0" smtClean="0"/>
-              <a:t> </a:t>
-            </a:r>
-            <a:r>
-              <a:rPr lang="en-US" altLang="ko-KR" sz="1200" dirty="0" smtClean="0"/>
-              <a:t>-</a:t>
-            </a:r>
-            <a:endParaRPr lang="en-US" altLang="ko-KR" sz="1200" dirty="0" smtClean="0"/>
+              <a:t> -</a:t>
+            </a:r>
           </a:p>
           <a:p>
             <a:pPr lvl="1"/>
@@ -11833,7 +11843,6 @@
               <a:rPr kumimoji="1" lang="en-US" altLang="ko-KR" sz="1600" dirty="0" smtClean="0"/>
               <a:t>(kk-m1-ubuntu)</a:t>
             </a:r>
-            <a:endParaRPr kumimoji="1" lang="en-US" altLang="ko-KR" sz="1600" dirty="0" smtClean="0"/>
           </a:p>
           <a:p>
             <a:pPr lvl="1"/>
@@ -11871,11 +11880,7 @@
             </a:r>
             <a:r>
               <a:rPr lang="en-US" altLang="ko-KR" sz="1200" dirty="0" smtClean="0"/>
-              <a:t> </a:t>
-            </a:r>
-            <a:r>
-              <a:rPr lang="en-US" altLang="ko-KR" sz="1200" dirty="0" smtClean="0"/>
-              <a:t>v3.3.2</a:t>
+              <a:t> v3.3.2</a:t>
             </a:r>
           </a:p>
           <a:p>
@@ -13593,11 +13598,7 @@
             </a:r>
             <a:r>
               <a:rPr lang="en-US" altLang="ko-KR" sz="1200" dirty="0" smtClean="0"/>
-              <a:t> --</a:t>
-            </a:r>
-            <a:r>
-              <a:rPr lang="en-US" altLang="ko-KR" sz="1200" dirty="0" smtClean="0"/>
-              <a:t>from-cluster </a:t>
+              <a:t> --from-cluster </a:t>
             </a:r>
             <a:r>
               <a:rPr lang="ko-KR" altLang="en-US" sz="1200" dirty="0" smtClean="0"/>
@@ -13629,11 +13630,7 @@
           <a:p>
             <a:r>
               <a:rPr kumimoji="1" lang="ko-KR" altLang="en-US" sz="1600" dirty="0" smtClean="0"/>
-              <a:t>실</a:t>
-            </a:r>
-            <a:r>
-              <a:rPr kumimoji="1" lang="ko-KR" altLang="en-US" sz="1600" dirty="0" smtClean="0"/>
-              <a:t>행</a:t>
+              <a:t>실행</a:t>
             </a:r>
             <a:endParaRPr kumimoji="1" lang="en-US" altLang="ko-KR" sz="1600" dirty="0" smtClean="0"/>
           </a:p>
@@ -13649,11 +13646,7 @@
             </a:r>
             <a:r>
               <a:rPr lang="en-US" altLang="ko-KR" sz="1200" dirty="0" smtClean="0"/>
-              <a:t> add nodes -f </a:t>
-            </a:r>
-            <a:r>
-              <a:rPr lang="en-US" altLang="ko-KR" sz="1200" dirty="0" smtClean="0"/>
-              <a:t>add-</a:t>
+              <a:t> add nodes -f add-</a:t>
             </a:r>
             <a:r>
               <a:rPr lang="en-US" altLang="ko-KR" sz="1200" dirty="0" err="1" smtClean="0"/>
@@ -14708,11 +14701,7 @@
           <a:p>
             <a:r>
               <a:rPr lang="en-US" altLang="ko-KR" sz="1100" dirty="0" smtClean="0"/>
-              <a:t>  - </a:t>
-            </a:r>
-            <a:r>
-              <a:rPr lang="en-US" altLang="ko-KR" sz="1100" dirty="0" smtClean="0"/>
-              <a:t>{name: kk-m1-ubuntu, address: 10.100.0.107, </a:t>
+              <a:t>  - {name: kk-m1-ubuntu, address: 10.100.0.107, </a:t>
             </a:r>
             <a:r>
               <a:rPr lang="en-US" altLang="ko-KR" sz="1100" dirty="0" err="1" smtClean="0"/>
@@ -15079,11 +15068,7 @@
             </a:r>
             <a:r>
               <a:rPr kumimoji="1" lang="ko-KR" altLang="en-US" sz="1600" dirty="0" smtClean="0"/>
-              <a:t> 삭</a:t>
-            </a:r>
-            <a:r>
-              <a:rPr kumimoji="1" lang="ko-KR" altLang="en-US" sz="1600" dirty="0" smtClean="0"/>
-              <a:t>제</a:t>
+              <a:t> 삭제</a:t>
             </a:r>
             <a:endParaRPr kumimoji="1" lang="en-US" altLang="ko-KR" sz="1600" dirty="0" smtClean="0"/>
           </a:p>
@@ -15123,11 +15108,7 @@
             </a:r>
             <a:r>
               <a:rPr lang="en-US" altLang="ko-KR" sz="1200" dirty="0" smtClean="0"/>
-              <a:t> cordon </a:t>
-            </a:r>
-            <a:r>
-              <a:rPr lang="en-US" altLang="ko-KR" sz="1200" dirty="0" smtClean="0"/>
-              <a:t>kk-m2-ubuntu</a:t>
+              <a:t> cordon kk-m2-ubuntu</a:t>
             </a:r>
             <a:endParaRPr kumimoji="1" lang="en-US" altLang="ko-KR" sz="1200" dirty="0" smtClean="0"/>
           </a:p>
@@ -15151,11 +15132,7 @@
             </a:r>
             <a:r>
               <a:rPr lang="en-US" altLang="ko-KR" sz="1200" dirty="0" smtClean="0"/>
-              <a:t> --</a:t>
-            </a:r>
-            <a:r>
-              <a:rPr lang="en-US" altLang="ko-KR" sz="1200" dirty="0" smtClean="0"/>
-              <a:t>from-cluster </a:t>
+              <a:t> --from-cluster </a:t>
             </a:r>
             <a:r>
               <a:rPr lang="ko-KR" altLang="en-US" sz="1200" dirty="0" smtClean="0"/>
@@ -15187,11 +15164,7 @@
           <a:p>
             <a:r>
               <a:rPr kumimoji="1" lang="ko-KR" altLang="en-US" sz="1600" dirty="0" smtClean="0"/>
-              <a:t>실</a:t>
-            </a:r>
-            <a:r>
-              <a:rPr kumimoji="1" lang="ko-KR" altLang="en-US" sz="1600" dirty="0" smtClean="0"/>
-              <a:t>행</a:t>
+              <a:t>실행</a:t>
             </a:r>
             <a:endParaRPr kumimoji="1" lang="en-US" altLang="ko-KR" sz="1600" dirty="0" smtClean="0"/>
           </a:p>
@@ -15207,19 +15180,7 @@
             </a:r>
             <a:r>
               <a:rPr lang="en-US" altLang="ko-KR" sz="1200" dirty="0" smtClean="0"/>
-              <a:t> delete node </a:t>
-            </a:r>
-            <a:r>
-              <a:rPr lang="en-US" altLang="ko-KR" sz="1200" dirty="0" smtClean="0"/>
-              <a:t>kk-m2-ubuntu </a:t>
-            </a:r>
-            <a:r>
-              <a:rPr lang="en-US" altLang="ko-KR" sz="1200" dirty="0" smtClean="0"/>
-              <a:t>-f </a:t>
-            </a:r>
-            <a:r>
-              <a:rPr lang="en-US" altLang="ko-KR" sz="1200" dirty="0" smtClean="0"/>
-              <a:t> delete-</a:t>
+              <a:t> delete node kk-m2-ubuntu -f  delete-</a:t>
             </a:r>
             <a:r>
               <a:rPr lang="en-US" altLang="ko-KR" sz="1200" dirty="0" err="1" smtClean="0"/>
@@ -15395,11 +15356,7 @@
           <a:p>
             <a:r>
               <a:rPr lang="en-US" altLang="ko-KR" sz="1100" dirty="0" smtClean="0"/>
-              <a:t>  - </a:t>
-            </a:r>
-            <a:r>
-              <a:rPr lang="en-US" altLang="ko-KR" sz="1100" dirty="0" smtClean="0"/>
-              <a:t>{name: kk-m1-ubuntu, address: 10.100.0.107, </a:t>
+              <a:t>  - {name: kk-m1-ubuntu, address: 10.100.0.107, </a:t>
             </a:r>
             <a:r>
               <a:rPr lang="en-US" altLang="ko-KR" sz="1100" dirty="0" err="1" smtClean="0"/>
